--- a/Mid-Term.pptx
+++ b/Mid-Term.pptx
@@ -270,6 +270,11 @@
       </a:defRPr>
     </a:lvl9pPr>
   </p:defaultTextStyle>
+  <p:extLst>
+    <p:ext uri="{EFAFB233-063F-42B5-8137-9DF3F51BA10A}">
+      <p15:sldGuideLst xmlns:p15="http://schemas.microsoft.com/office/powerpoint/2012/main"/>
+    </p:ext>
+  </p:extLst>
 </p:presentation>
 </file>
 
@@ -781,8 +786,8 @@
         </p:nvSpPr>
         <p:spPr>
           <a:xfrm>
-            <a:off x="1143225" y="685800"/>
-            <a:ext cx="4572225" cy="3429000"/>
+            <a:off x="381000" y="685800"/>
+            <a:ext cx="6096000" cy="3429000"/>
           </a:xfrm>
           <a:custGeom>
             <a:avLst/>
@@ -13013,8 +13018,8 @@
         </p:nvSpPr>
         <p:spPr>
           <a:xfrm>
-            <a:off x="2417779" y="802298"/>
-            <a:ext cx="8637073" cy="2541431"/>
+            <a:off x="1395167" y="802298"/>
+            <a:ext cx="9659686" cy="2541431"/>
           </a:xfrm>
           <a:prstGeom prst="rect">
             <a:avLst/>
@@ -13048,10 +13053,10 @@
               <a:buNone/>
             </a:pPr>
             <a:r>
-              <a:rPr lang="en-US"/>
+              <a:rPr lang="en-US" dirty="0"/>
               <a:t>EQUITY RESEARCH REPORT OF ICICI BANK LTD.</a:t>
             </a:r>
-            <a:endParaRPr/>
+            <a:endParaRPr dirty="0"/>
           </a:p>
         </p:txBody>
       </p:sp>
@@ -13098,14 +13103,14 @@
               <a:buNone/>
             </a:pPr>
             <a:r>
-              <a:rPr lang="en-US">
+              <a:rPr lang="en-US" dirty="0">
                 <a:solidFill>
                   <a:srgbClr val="00B050"/>
                 </a:solidFill>
               </a:rPr>
-              <a:t>BY HARJAP SINGH AND SATVIK  CHANDRA SHUKLA </a:t>
+              <a:t>BY HARJAP SINGH AND SATVIK CHANDRA SHUKLA </a:t>
             </a:r>
-            <a:endParaRPr/>
+            <a:endParaRPr dirty="0"/>
           </a:p>
         </p:txBody>
       </p:sp>
